--- a/doc/designDoc.pptx
+++ b/doc/designDoc.pptx
@@ -107,6 +107,11 @@
       </a:defRPr>
     </a:lvl9pPr>
   </p:defaultTextStyle>
+  <p:extLst>
+    <p:ext uri="{EFAFB233-063F-42B5-8137-9DF3F51BA10A}">
+      <p15:sldGuideLst xmlns:p15="http://schemas.microsoft.com/office/powerpoint/2012/main"/>
+    </p:ext>
+  </p:extLst>
 </p:presentation>
 </file>
 

--- a/doc/designDoc.pptx
+++ b/doc/designDoc.pptx
@@ -3377,7 +3377,7 @@
         </p:blipFill>
         <p:spPr>
           <a:xfrm>
-            <a:off x="2803959" y="3169830"/>
+            <a:off x="2803959" y="3389286"/>
             <a:ext cx="1978353" cy="1896799"/>
           </a:xfrm>
           <a:prstGeom prst="rect">
@@ -3404,7 +3404,7 @@
         </p:nvSpPr>
         <p:spPr>
           <a:xfrm>
-            <a:off x="840479" y="930068"/>
+            <a:off x="840479" y="1149524"/>
             <a:ext cx="4051562" cy="4721336"/>
           </a:xfrm>
           <a:prstGeom prst="rect">
@@ -3483,7 +3483,7 @@
         </p:nvSpPr>
         <p:spPr>
           <a:xfrm>
-            <a:off x="840479" y="5037725"/>
+            <a:off x="840479" y="5257181"/>
             <a:ext cx="4337704" cy="584775"/>
           </a:xfrm>
           <a:prstGeom prst="rect">
@@ -3702,7 +3702,7 @@
         </p:blipFill>
         <p:spPr>
           <a:xfrm>
-            <a:off x="996193" y="1047036"/>
+            <a:off x="996193" y="1266492"/>
             <a:ext cx="3786119" cy="2051973"/>
           </a:xfrm>
           <a:prstGeom prst="rect">
@@ -3737,7 +3737,7 @@
         </p:blipFill>
         <p:spPr>
           <a:xfrm>
-            <a:off x="996193" y="3169830"/>
+            <a:off x="996193" y="3389286"/>
             <a:ext cx="1736924" cy="1904653"/>
           </a:xfrm>
           <a:prstGeom prst="rect">
@@ -3772,7 +3772,7 @@
         </p:blipFill>
         <p:spPr>
           <a:xfrm>
-            <a:off x="4901185" y="930361"/>
+            <a:off x="4901185" y="1149817"/>
             <a:ext cx="1508955" cy="912258"/>
           </a:xfrm>
           <a:prstGeom prst="rect">
@@ -3799,7 +3799,7 @@
         </p:nvSpPr>
         <p:spPr>
           <a:xfrm>
-            <a:off x="840479" y="386884"/>
+            <a:off x="840479" y="606340"/>
             <a:ext cx="9273559" cy="400110"/>
           </a:xfrm>
           <a:prstGeom prst="rect">
@@ -3906,7 +3906,7 @@
         </p:blipFill>
         <p:spPr>
           <a:xfrm>
-            <a:off x="7898448" y="3101625"/>
+            <a:off x="7898448" y="3321081"/>
             <a:ext cx="713233" cy="452383"/>
           </a:xfrm>
           <a:prstGeom prst="rect">
@@ -3943,7 +3943,7 @@
         </p:blipFill>
         <p:spPr bwMode="auto">
           <a:xfrm>
-            <a:off x="7959292" y="1047036"/>
+            <a:off x="7959292" y="1266492"/>
             <a:ext cx="542877" cy="542877"/>
           </a:xfrm>
           <a:prstGeom prst="rect">
@@ -3980,7 +3980,7 @@
         </p:nvSpPr>
         <p:spPr>
           <a:xfrm>
-            <a:off x="8522653" y="1043707"/>
+            <a:off x="8522653" y="1263163"/>
             <a:ext cx="1298746" cy="523220"/>
           </a:xfrm>
           <a:prstGeom prst="rect">
@@ -4091,7 +4091,7 @@
         </p:blipFill>
         <p:spPr bwMode="auto">
           <a:xfrm>
-            <a:off x="7944377" y="3838077"/>
+            <a:off x="7944377" y="4057533"/>
             <a:ext cx="645560" cy="645560"/>
           </a:xfrm>
           <a:prstGeom prst="rect">
@@ -4123,7 +4123,7 @@
         </p:nvSpPr>
         <p:spPr>
           <a:xfrm>
-            <a:off x="7959292" y="5156089"/>
+            <a:off x="7959292" y="5375545"/>
             <a:ext cx="652389" cy="645560"/>
           </a:xfrm>
           <a:prstGeom prst="rect">
@@ -4185,7 +4185,7 @@
         </p:blipFill>
         <p:spPr bwMode="auto">
           <a:xfrm>
-            <a:off x="8048322" y="5244367"/>
+            <a:off x="8048322" y="5463823"/>
             <a:ext cx="474329" cy="474329"/>
           </a:xfrm>
           <a:prstGeom prst="rect">
@@ -4217,7 +4217,7 @@
         </p:nvSpPr>
         <p:spPr>
           <a:xfrm>
-            <a:off x="8615498" y="5156089"/>
+            <a:off x="8615498" y="5375545"/>
             <a:ext cx="1498540" cy="523220"/>
           </a:xfrm>
           <a:prstGeom prst="rect">
@@ -4313,7 +4313,7 @@
         </p:nvSpPr>
         <p:spPr>
           <a:xfrm>
-            <a:off x="8589933" y="3046982"/>
+            <a:off x="8589933" y="3266438"/>
             <a:ext cx="1077444" cy="307777"/>
           </a:xfrm>
           <a:prstGeom prst="rect">
@@ -4402,7 +4402,7 @@
         </p:nvSpPr>
         <p:spPr>
           <a:xfrm>
-            <a:off x="8569063" y="3851368"/>
+            <a:off x="8569063" y="4070824"/>
             <a:ext cx="1077444" cy="523220"/>
           </a:xfrm>
           <a:prstGeom prst="rect">
@@ -4493,7 +4493,7 @@
         </p:nvCxnSpPr>
         <p:spPr>
           <a:xfrm flipV="1">
-            <a:off x="8429100" y="4360322"/>
+            <a:off x="8429100" y="4579778"/>
             <a:ext cx="0" cy="795767"/>
           </a:xfrm>
           <a:prstGeom prst="straightConnector1">
@@ -4538,7 +4538,7 @@
         </p:nvSpPr>
         <p:spPr>
           <a:xfrm>
-            <a:off x="8494529" y="4456904"/>
+            <a:off x="8494529" y="4676360"/>
             <a:ext cx="1077444" cy="600164"/>
           </a:xfrm>
           <a:prstGeom prst="rect">
@@ -4640,7 +4640,7 @@
         </p:nvCxnSpPr>
         <p:spPr>
           <a:xfrm flipV="1">
-            <a:off x="8410688" y="3554008"/>
+            <a:off x="8410688" y="3773464"/>
             <a:ext cx="0" cy="397884"/>
           </a:xfrm>
           <a:prstGeom prst="straightConnector1">
@@ -4687,7 +4687,7 @@
         </p:nvCxnSpPr>
         <p:spPr>
           <a:xfrm flipH="1" flipV="1">
-            <a:off x="8410688" y="1664208"/>
+            <a:off x="8410688" y="1883664"/>
             <a:ext cx="18412" cy="1443942"/>
           </a:xfrm>
           <a:prstGeom prst="straightConnector1">
@@ -4734,7 +4734,7 @@
         </p:nvCxnSpPr>
         <p:spPr>
           <a:xfrm>
-            <a:off x="8063438" y="1664208"/>
+            <a:off x="8063438" y="1883664"/>
             <a:ext cx="0" cy="1437417"/>
           </a:xfrm>
           <a:prstGeom prst="straightConnector1">
@@ -4781,7 +4781,7 @@
         </p:nvCxnSpPr>
         <p:spPr>
           <a:xfrm>
-            <a:off x="8063438" y="3554008"/>
+            <a:off x="8063438" y="3773464"/>
             <a:ext cx="0" cy="397884"/>
           </a:xfrm>
           <a:prstGeom prst="straightConnector1">
@@ -4828,7 +4828,7 @@
         </p:nvCxnSpPr>
         <p:spPr>
           <a:xfrm>
-            <a:off x="8045248" y="4388179"/>
+            <a:off x="8045248" y="4607635"/>
             <a:ext cx="0" cy="767910"/>
           </a:xfrm>
           <a:prstGeom prst="straightConnector1">
@@ -4873,7 +4873,7 @@
         </p:nvSpPr>
         <p:spPr>
           <a:xfrm>
-            <a:off x="7579248" y="1795699"/>
+            <a:off x="7579248" y="2015155"/>
             <a:ext cx="1448440" cy="669573"/>
           </a:xfrm>
           <a:prstGeom prst="cloud">
@@ -4963,7 +4963,7 @@
         </p:nvCxnSpPr>
         <p:spPr>
           <a:xfrm flipH="1" flipV="1">
-            <a:off x="7370064" y="3327815"/>
+            <a:off x="7370064" y="3547271"/>
             <a:ext cx="528384" cy="2"/>
           </a:xfrm>
           <a:prstGeom prst="straightConnector1">
@@ -5016,7 +5016,7 @@
         </p:blipFill>
         <p:spPr>
           <a:xfrm>
-            <a:off x="6829179" y="3077203"/>
+            <a:off x="6829179" y="3296659"/>
             <a:ext cx="501225" cy="501225"/>
           </a:xfrm>
           <a:prstGeom prst="rect">
@@ -5052,7 +5052,7 @@
         </p:blipFill>
         <p:spPr>
           <a:xfrm>
-            <a:off x="6833579" y="3926986"/>
+            <a:off x="6833579" y="4146442"/>
             <a:ext cx="501225" cy="501225"/>
           </a:xfrm>
           <a:prstGeom prst="rect">
@@ -5076,7 +5076,7 @@
         </p:nvCxnSpPr>
         <p:spPr>
           <a:xfrm flipH="1">
-            <a:off x="7370064" y="4170286"/>
+            <a:off x="7370064" y="4389742"/>
             <a:ext cx="574313" cy="0"/>
           </a:xfrm>
           <a:prstGeom prst="straightConnector1">
@@ -5117,7 +5117,7 @@
         </p:nvCxnSpPr>
         <p:spPr>
           <a:xfrm flipH="1">
-            <a:off x="7384979" y="5478869"/>
+            <a:off x="7384979" y="5698325"/>
             <a:ext cx="574313" cy="0"/>
           </a:xfrm>
           <a:prstGeom prst="straightConnector1">
@@ -5170,7 +5170,7 @@
         </p:blipFill>
         <p:spPr>
           <a:xfrm>
-            <a:off x="6920298" y="5217471"/>
+            <a:off x="6920298" y="5436927"/>
             <a:ext cx="501225" cy="501225"/>
           </a:xfrm>
           <a:prstGeom prst="rect">
@@ -5192,7 +5192,7 @@
         </p:nvSpPr>
         <p:spPr>
           <a:xfrm>
-            <a:off x="7279322" y="4391292"/>
+            <a:off x="7279322" y="4610748"/>
             <a:ext cx="792874" cy="600164"/>
           </a:xfrm>
           <a:prstGeom prst="rect">
@@ -5292,7 +5292,7 @@
         </p:nvSpPr>
         <p:spPr>
           <a:xfrm>
-            <a:off x="6450009" y="2849856"/>
+            <a:off x="6450009" y="3069312"/>
             <a:ext cx="1448439" cy="276999"/>
           </a:xfrm>
           <a:prstGeom prst="rect">
@@ -5392,7 +5392,7 @@
         </p:nvSpPr>
         <p:spPr>
           <a:xfrm>
-            <a:off x="6495939" y="3678024"/>
+            <a:off x="6495939" y="3897480"/>
             <a:ext cx="1448438" cy="276999"/>
           </a:xfrm>
           <a:prstGeom prst="rect">
@@ -5504,7 +5504,7 @@
         </p:nvSpPr>
         <p:spPr>
           <a:xfrm>
-            <a:off x="6588402" y="4989460"/>
+            <a:off x="6588402" y="5208916"/>
             <a:ext cx="1448438" cy="276999"/>
           </a:xfrm>
           <a:prstGeom prst="rect">
@@ -5619,7 +5619,7 @@
         </p:blipFill>
         <p:spPr bwMode="auto">
           <a:xfrm>
-            <a:off x="5793136" y="4020153"/>
+            <a:off x="5793136" y="4239609"/>
             <a:ext cx="581082" cy="581082"/>
           </a:xfrm>
           <a:prstGeom prst="rect">
@@ -5658,7 +5658,7 @@
         </p:nvCxnSpPr>
         <p:spPr>
           <a:xfrm rot="10800000" flipV="1">
-            <a:off x="6083677" y="3343993"/>
+            <a:off x="6083677" y="3563449"/>
             <a:ext cx="745502" cy="676160"/>
           </a:xfrm>
           <a:prstGeom prst="bentConnector2">
@@ -5699,7 +5699,7 @@
         </p:nvCxnSpPr>
         <p:spPr>
           <a:xfrm flipH="1">
-            <a:off x="6374218" y="4186220"/>
+            <a:off x="6374218" y="4405676"/>
             <a:ext cx="574313" cy="0"/>
           </a:xfrm>
           <a:prstGeom prst="straightConnector1">
@@ -5742,7 +5742,7 @@
         </p:nvCxnSpPr>
         <p:spPr>
           <a:xfrm rot="10800000">
-            <a:off x="6083678" y="4601236"/>
+            <a:off x="6083678" y="4820692"/>
             <a:ext cx="836621" cy="866849"/>
           </a:xfrm>
           <a:prstGeom prst="bentConnector2">
@@ -5781,7 +5781,7 @@
         </p:nvSpPr>
         <p:spPr>
           <a:xfrm>
-            <a:off x="5225941" y="3395649"/>
+            <a:off x="5225941" y="3615105"/>
             <a:ext cx="1356976" cy="646331"/>
           </a:xfrm>
           <a:prstGeom prst="rect">
@@ -5880,7 +5880,7 @@
         </p:nvCxnSpPr>
         <p:spPr>
           <a:xfrm flipH="1">
-            <a:off x="4901185" y="4310694"/>
+            <a:off x="4901185" y="4530150"/>
             <a:ext cx="891951" cy="0"/>
           </a:xfrm>
           <a:prstGeom prst="straightConnector1">
@@ -5919,7 +5919,7 @@
         </p:nvSpPr>
         <p:spPr>
           <a:xfrm>
-            <a:off x="4876283" y="4424313"/>
+            <a:off x="4876283" y="4643769"/>
             <a:ext cx="1191541" cy="461665"/>
           </a:xfrm>
           <a:prstGeom prst="rect">
@@ -6027,7 +6027,7 @@
         </p:blipFill>
         <p:spPr>
           <a:xfrm>
-            <a:off x="9431153" y="2427747"/>
+            <a:off x="9431153" y="2647203"/>
             <a:ext cx="390246" cy="432665"/>
           </a:xfrm>
           <a:prstGeom prst="rect">
@@ -6056,7 +6056,7 @@
         </p:nvCxnSpPr>
         <p:spPr>
           <a:xfrm flipH="1">
-            <a:off x="8429100" y="3700311"/>
+            <a:off x="8429100" y="3919767"/>
             <a:ext cx="1197176" cy="13750"/>
           </a:xfrm>
           <a:prstGeom prst="straightConnector1">
@@ -6101,7 +6101,7 @@
         </p:nvCxnSpPr>
         <p:spPr>
           <a:xfrm>
-            <a:off x="9626276" y="2860412"/>
+            <a:off x="9626276" y="3079868"/>
             <a:ext cx="0" cy="839899"/>
           </a:xfrm>
           <a:prstGeom prst="line">
@@ -6143,7 +6143,7 @@
         </p:nvSpPr>
         <p:spPr>
           <a:xfrm>
-            <a:off x="9409604" y="2985661"/>
+            <a:off x="9409604" y="3205117"/>
             <a:ext cx="823590" cy="523220"/>
           </a:xfrm>
           <a:prstGeom prst="rect">
@@ -6268,7 +6268,7 @@
         </p:nvSpPr>
         <p:spPr>
           <a:xfrm>
-            <a:off x="5826242" y="1927989"/>
+            <a:off x="5826242" y="2147445"/>
             <a:ext cx="1356976" cy="523220"/>
           </a:xfrm>
           <a:prstGeom prst="rect">
@@ -6379,7 +6379,7 @@
         </p:blipFill>
         <p:spPr bwMode="auto">
           <a:xfrm>
-            <a:off x="5455023" y="2037076"/>
+            <a:off x="5455023" y="2256532"/>
             <a:ext cx="468029" cy="502762"/>
           </a:xfrm>
           <a:prstGeom prst="rect">
@@ -6411,7 +6411,7 @@
         </p:nvSpPr>
         <p:spPr>
           <a:xfrm>
-            <a:off x="4947302" y="2285291"/>
+            <a:off x="4947302" y="2504747"/>
             <a:ext cx="504048" cy="164227"/>
           </a:xfrm>
           <a:prstGeom prst="leftRightArrow">
@@ -6489,7 +6489,7 @@
         </p:nvCxnSpPr>
         <p:spPr>
           <a:xfrm rot="16200000" flipH="1">
-            <a:off x="7507974" y="720901"/>
+            <a:off x="7507974" y="940357"/>
             <a:ext cx="104242" cy="3742115"/>
           </a:xfrm>
           <a:prstGeom prst="bentConnector2">
@@ -6531,7 +6531,7 @@
         </p:nvSpPr>
         <p:spPr>
           <a:xfrm>
-            <a:off x="6112320" y="2378584"/>
+            <a:off x="6112320" y="2598040"/>
             <a:ext cx="1583739" cy="307777"/>
           </a:xfrm>
           <a:prstGeom prst="rect">
